--- a/Images/Figures_To_Review/PieCharts_Metabolic/SAR/SARWithRaptor.pptx
+++ b/Images/Figures_To_Review/PieCharts_Metabolic/SAR/SARWithRaptor.pptx
@@ -5,7 +5,7 @@
     <p:sldMasterId id="2147483648" r:id="rId1"/>
   </p:sldMasterIdLst>
   <p:sldIdLst>
-    <p:sldId id="256" r:id="rId8"/>
+    <p:sldId id="256" r:id="rId2"/>
   </p:sldIdLst>
   <p:sldSz cx="9144000" cy="6858000" type="screen4x3"/>
   <p:notesSz cx="6858000" cy="9144000"/>
@@ -107,6 +107,22 @@
       </a:defRPr>
     </a:lvl9pPr>
   </p:defaultTextStyle>
+  <p:extLst>
+    <p:ext uri="{EFAFB233-063F-42B5-8137-9DF3F51BA10A}">
+      <p15:sldGuideLst xmlns:p15="http://schemas.microsoft.com/office/powerpoint/2012/main">
+        <p15:guide id="1" orient="horz" pos="2160">
+          <p15:clr>
+            <a:srgbClr val="A4A3A4"/>
+          </p15:clr>
+        </p15:guide>
+        <p15:guide id="2" pos="2880">
+          <p15:clr>
+            <a:srgbClr val="A4A3A4"/>
+          </p15:clr>
+        </p15:guide>
+      </p15:sldGuideLst>
+    </p:ext>
+  </p:extLst>
 </p:presentation>
 </file>
 
@@ -148,7 +164,7 @@
           <a:lstStyle/>
           <a:p>
             <a:r>
-              <a:rPr lang="en-US" smtClean="0"/>
+              <a:rPr lang="en-US"/>
               <a:t>Click to edit Master title style</a:t>
             </a:r>
             <a:endParaRPr lang="en-GB"/>
@@ -267,7 +283,7 @@
           </a:lstStyle>
           <a:p>
             <a:r>
-              <a:rPr lang="en-US" smtClean="0"/>
+              <a:rPr lang="en-US"/>
               <a:t>Click to edit Master subtitle style</a:t>
             </a:r>
             <a:endParaRPr lang="en-GB"/>
@@ -291,7 +307,7 @@
           <a:p>
             <a:fld id="{E6744CE3-0875-4B69-89C0-6F72D8139561}" type="datetimeFigureOut">
               <a:rPr lang="en-GB" smtClean="0"/>
-              <a:t>26/05/17</a:t>
+              <a:t>15/05/2025</a:t>
             </a:fld>
             <a:endParaRPr lang="en-GB"/>
           </a:p>
@@ -385,7 +401,7 @@
           <a:lstStyle/>
           <a:p>
             <a:r>
-              <a:rPr lang="en-US" smtClean="0"/>
+              <a:rPr lang="en-US"/>
               <a:t>Click to edit Master title style</a:t>
             </a:r>
             <a:endParaRPr lang="en-GB"/>
@@ -409,35 +425,35 @@
           <a:p>
             <a:pPr lvl="0"/>
             <a:r>
-              <a:rPr lang="en-US" smtClean="0"/>
+              <a:rPr lang="en-US"/>
               <a:t>Click to edit Master text styles</a:t>
             </a:r>
           </a:p>
           <a:p>
             <a:pPr lvl="1"/>
             <a:r>
-              <a:rPr lang="en-US" smtClean="0"/>
+              <a:rPr lang="en-US"/>
               <a:t>Second level</a:t>
             </a:r>
           </a:p>
           <a:p>
             <a:pPr lvl="2"/>
             <a:r>
-              <a:rPr lang="en-US" smtClean="0"/>
+              <a:rPr lang="en-US"/>
               <a:t>Third level</a:t>
             </a:r>
           </a:p>
           <a:p>
             <a:pPr lvl="3"/>
             <a:r>
-              <a:rPr lang="en-US" smtClean="0"/>
+              <a:rPr lang="en-US"/>
               <a:t>Fourth level</a:t>
             </a:r>
           </a:p>
           <a:p>
             <a:pPr lvl="4"/>
             <a:r>
-              <a:rPr lang="en-US" smtClean="0"/>
+              <a:rPr lang="en-US"/>
               <a:t>Fifth level</a:t>
             </a:r>
             <a:endParaRPr lang="en-GB"/>
@@ -461,7 +477,7 @@
           <a:p>
             <a:fld id="{E6744CE3-0875-4B69-89C0-6F72D8139561}" type="datetimeFigureOut">
               <a:rPr lang="en-GB" smtClean="0"/>
-              <a:t>26/05/17</a:t>
+              <a:t>15/05/2025</a:t>
             </a:fld>
             <a:endParaRPr lang="en-GB"/>
           </a:p>
@@ -564,7 +580,7 @@
           </a:lstStyle>
           <a:p>
             <a:r>
-              <a:rPr lang="en-US" smtClean="0"/>
+              <a:rPr lang="en-US"/>
               <a:t>Click to edit Master title style</a:t>
             </a:r>
             <a:endParaRPr lang="en-GB"/>
@@ -684,7 +700,7 @@
           <a:p>
             <a:pPr lvl="0"/>
             <a:r>
-              <a:rPr lang="en-US" smtClean="0"/>
+              <a:rPr lang="en-US"/>
               <a:t>Click to edit Master text styles</a:t>
             </a:r>
           </a:p>
@@ -707,7 +723,7 @@
           <a:p>
             <a:fld id="{E6744CE3-0875-4B69-89C0-6F72D8139561}" type="datetimeFigureOut">
               <a:rPr lang="en-GB" smtClean="0"/>
-              <a:t>26/05/17</a:t>
+              <a:t>15/05/2025</a:t>
             </a:fld>
             <a:endParaRPr lang="en-GB"/>
           </a:p>
@@ -801,7 +817,7 @@
           <a:lstStyle/>
           <a:p>
             <a:r>
-              <a:rPr lang="en-US" smtClean="0"/>
+              <a:rPr lang="en-US"/>
               <a:t>Click to edit Master title style</a:t>
             </a:r>
             <a:endParaRPr lang="en-GB"/>
@@ -858,35 +874,35 @@
           <a:p>
             <a:pPr lvl="0"/>
             <a:r>
-              <a:rPr lang="en-US" smtClean="0"/>
+              <a:rPr lang="en-US"/>
               <a:t>Click to edit Master text styles</a:t>
             </a:r>
           </a:p>
           <a:p>
             <a:pPr lvl="1"/>
             <a:r>
-              <a:rPr lang="en-US" smtClean="0"/>
+              <a:rPr lang="en-US"/>
               <a:t>Second level</a:t>
             </a:r>
           </a:p>
           <a:p>
             <a:pPr lvl="2"/>
             <a:r>
-              <a:rPr lang="en-US" smtClean="0"/>
+              <a:rPr lang="en-US"/>
               <a:t>Third level</a:t>
             </a:r>
           </a:p>
           <a:p>
             <a:pPr lvl="3"/>
             <a:r>
-              <a:rPr lang="en-US" smtClean="0"/>
+              <a:rPr lang="en-US"/>
               <a:t>Fourth level</a:t>
             </a:r>
           </a:p>
           <a:p>
             <a:pPr lvl="4"/>
             <a:r>
-              <a:rPr lang="en-US" smtClean="0"/>
+              <a:rPr lang="en-US"/>
               <a:t>Fifth level</a:t>
             </a:r>
             <a:endParaRPr lang="en-GB"/>
@@ -943,35 +959,35 @@
           <a:p>
             <a:pPr lvl="0"/>
             <a:r>
-              <a:rPr lang="en-US" smtClean="0"/>
+              <a:rPr lang="en-US"/>
               <a:t>Click to edit Master text styles</a:t>
             </a:r>
           </a:p>
           <a:p>
             <a:pPr lvl="1"/>
             <a:r>
-              <a:rPr lang="en-US" smtClean="0"/>
+              <a:rPr lang="en-US"/>
               <a:t>Second level</a:t>
             </a:r>
           </a:p>
           <a:p>
             <a:pPr lvl="2"/>
             <a:r>
-              <a:rPr lang="en-US" smtClean="0"/>
+              <a:rPr lang="en-US"/>
               <a:t>Third level</a:t>
             </a:r>
           </a:p>
           <a:p>
             <a:pPr lvl="3"/>
             <a:r>
-              <a:rPr lang="en-US" smtClean="0"/>
+              <a:rPr lang="en-US"/>
               <a:t>Fourth level</a:t>
             </a:r>
           </a:p>
           <a:p>
             <a:pPr lvl="4"/>
             <a:r>
-              <a:rPr lang="en-US" smtClean="0"/>
+              <a:rPr lang="en-US"/>
               <a:t>Fifth level</a:t>
             </a:r>
             <a:endParaRPr lang="en-GB"/>
@@ -995,7 +1011,7 @@
           <a:p>
             <a:fld id="{E6744CE3-0875-4B69-89C0-6F72D8139561}" type="datetimeFigureOut">
               <a:rPr lang="en-GB" smtClean="0"/>
-              <a:t>26/05/17</a:t>
+              <a:t>15/05/2025</a:t>
             </a:fld>
             <a:endParaRPr lang="en-GB"/>
           </a:p>
@@ -1093,7 +1109,7 @@
           </a:lstStyle>
           <a:p>
             <a:r>
-              <a:rPr lang="en-US" smtClean="0"/>
+              <a:rPr lang="en-US"/>
               <a:t>Click to edit Master title style</a:t>
             </a:r>
             <a:endParaRPr lang="en-GB"/>
@@ -1159,7 +1175,7 @@
           <a:p>
             <a:pPr lvl="0"/>
             <a:r>
-              <a:rPr lang="en-US" smtClean="0"/>
+              <a:rPr lang="en-US"/>
               <a:t>Click to edit Master text styles</a:t>
             </a:r>
           </a:p>
@@ -1215,35 +1231,35 @@
           <a:p>
             <a:pPr lvl="0"/>
             <a:r>
-              <a:rPr lang="en-US" smtClean="0"/>
+              <a:rPr lang="en-US"/>
               <a:t>Click to edit Master text styles</a:t>
             </a:r>
           </a:p>
           <a:p>
             <a:pPr lvl="1"/>
             <a:r>
-              <a:rPr lang="en-US" smtClean="0"/>
+              <a:rPr lang="en-US"/>
               <a:t>Second level</a:t>
             </a:r>
           </a:p>
           <a:p>
             <a:pPr lvl="2"/>
             <a:r>
-              <a:rPr lang="en-US" smtClean="0"/>
+              <a:rPr lang="en-US"/>
               <a:t>Third level</a:t>
             </a:r>
           </a:p>
           <a:p>
             <a:pPr lvl="3"/>
             <a:r>
-              <a:rPr lang="en-US" smtClean="0"/>
+              <a:rPr lang="en-US"/>
               <a:t>Fourth level</a:t>
             </a:r>
           </a:p>
           <a:p>
             <a:pPr lvl="4"/>
             <a:r>
-              <a:rPr lang="en-US" smtClean="0"/>
+              <a:rPr lang="en-US"/>
               <a:t>Fifth level</a:t>
             </a:r>
             <a:endParaRPr lang="en-GB"/>
@@ -1309,7 +1325,7 @@
           <a:p>
             <a:pPr lvl="0"/>
             <a:r>
-              <a:rPr lang="en-US" smtClean="0"/>
+              <a:rPr lang="en-US"/>
               <a:t>Click to edit Master text styles</a:t>
             </a:r>
           </a:p>
@@ -1365,35 +1381,35 @@
           <a:p>
             <a:pPr lvl="0"/>
             <a:r>
-              <a:rPr lang="en-US" smtClean="0"/>
+              <a:rPr lang="en-US"/>
               <a:t>Click to edit Master text styles</a:t>
             </a:r>
           </a:p>
           <a:p>
             <a:pPr lvl="1"/>
             <a:r>
-              <a:rPr lang="en-US" smtClean="0"/>
+              <a:rPr lang="en-US"/>
               <a:t>Second level</a:t>
             </a:r>
           </a:p>
           <a:p>
             <a:pPr lvl="2"/>
             <a:r>
-              <a:rPr lang="en-US" smtClean="0"/>
+              <a:rPr lang="en-US"/>
               <a:t>Third level</a:t>
             </a:r>
           </a:p>
           <a:p>
             <a:pPr lvl="3"/>
             <a:r>
-              <a:rPr lang="en-US" smtClean="0"/>
+              <a:rPr lang="en-US"/>
               <a:t>Fourth level</a:t>
             </a:r>
           </a:p>
           <a:p>
             <a:pPr lvl="4"/>
             <a:r>
-              <a:rPr lang="en-US" smtClean="0"/>
+              <a:rPr lang="en-US"/>
               <a:t>Fifth level</a:t>
             </a:r>
             <a:endParaRPr lang="en-GB"/>
@@ -1417,7 +1433,7 @@
           <a:p>
             <a:fld id="{E6744CE3-0875-4B69-89C0-6F72D8139561}" type="datetimeFigureOut">
               <a:rPr lang="en-GB" smtClean="0"/>
-              <a:t>26/05/17</a:t>
+              <a:t>15/05/2025</a:t>
             </a:fld>
             <a:endParaRPr lang="en-GB"/>
           </a:p>
@@ -1511,7 +1527,7 @@
           <a:lstStyle/>
           <a:p>
             <a:r>
-              <a:rPr lang="en-US" smtClean="0"/>
+              <a:rPr lang="en-US"/>
               <a:t>Click to edit Master title style</a:t>
             </a:r>
             <a:endParaRPr lang="en-GB"/>
@@ -1535,7 +1551,7 @@
           <a:p>
             <a:fld id="{E6744CE3-0875-4B69-89C0-6F72D8139561}" type="datetimeFigureOut">
               <a:rPr lang="en-GB" smtClean="0"/>
-              <a:t>26/05/17</a:t>
+              <a:t>15/05/2025</a:t>
             </a:fld>
             <a:endParaRPr lang="en-GB"/>
           </a:p>
@@ -1630,7 +1646,7 @@
           <a:p>
             <a:fld id="{E6744CE3-0875-4B69-89C0-6F72D8139561}" type="datetimeFigureOut">
               <a:rPr lang="en-GB" smtClean="0"/>
-              <a:t>26/05/17</a:t>
+              <a:t>15/05/2025</a:t>
             </a:fld>
             <a:endParaRPr lang="en-GB"/>
           </a:p>
@@ -1739,7 +1755,7 @@
           <a:lstStyle/>
           <a:p>
             <a:r>
-              <a:rPr lang="en-US" smtClean="0"/>
+              <a:rPr lang="en-US"/>
               <a:t>Click to edit Master title style</a:t>
             </a:r>
             <a:endParaRPr lang="en-GB"/>
@@ -1773,35 +1789,35 @@
           <a:p>
             <a:pPr lvl="0"/>
             <a:r>
-              <a:rPr lang="en-US" smtClean="0"/>
+              <a:rPr lang="en-US"/>
               <a:t>Click to edit Master text styles</a:t>
             </a:r>
           </a:p>
           <a:p>
             <a:pPr lvl="1"/>
             <a:r>
-              <a:rPr lang="en-US" smtClean="0"/>
+              <a:rPr lang="en-US"/>
               <a:t>Second level</a:t>
             </a:r>
           </a:p>
           <a:p>
             <a:pPr lvl="2"/>
             <a:r>
-              <a:rPr lang="en-US" smtClean="0"/>
+              <a:rPr lang="en-US"/>
               <a:t>Third level</a:t>
             </a:r>
           </a:p>
           <a:p>
             <a:pPr lvl="3"/>
             <a:r>
-              <a:rPr lang="en-US" smtClean="0"/>
+              <a:rPr lang="en-US"/>
               <a:t>Fourth level</a:t>
             </a:r>
           </a:p>
           <a:p>
             <a:pPr lvl="4"/>
             <a:r>
-              <a:rPr lang="en-US" smtClean="0"/>
+              <a:rPr lang="en-US"/>
               <a:t>Fifth level</a:t>
             </a:r>
             <a:endParaRPr lang="en-GB"/>
@@ -1843,7 +1859,7 @@
           <a:p>
             <a:fld id="{E6744CE3-0875-4B69-89C0-6F72D8139561}" type="datetimeFigureOut">
               <a:rPr lang="en-GB" smtClean="0"/>
-              <a:t>26/05/17</a:t>
+              <a:t>15/05/2025</a:t>
             </a:fld>
             <a:endParaRPr lang="en-GB"/>
           </a:p>
@@ -2214,45 +2230,18 @@
           <a:chExt cx="0" cy="0"/>
         </a:xfrm>
       </p:grpSpPr>
-      <p:sp>
-        <p:nvSpPr>
-          <p:cNvPr id="2" name="Title 1"/>
-          <p:cNvSpPr>
-            <a:spLocks noGrp="1"/>
-          </p:cNvSpPr>
-          <p:nvPr>
-            <p:ph type="title"/>
-          </p:nvPr>
-        </p:nvSpPr>
-        <p:spPr>
-          <a:xfrm>
-            <a:off x="457200" y="274638"/>
-            <a:ext cx="8229600" cy="1143000"/>
-          </a:xfrm>
-        </p:spPr>
-        <p:txBody>
-          <a:bodyPr/>
-          <a:lstStyle/>
-          <a:p>
-            <a:r>
-              <a:rPr/>
-              <a:t/>
-            </a:r>
-          </a:p>
-        </p:txBody>
-      </p:sp>
-      <p:grpSp xmlns:pic="http://schemas.openxmlformats.org/drawingml/2006/picture">
+      <p:grpSp>
         <p:nvGrpSpPr>
-          <p:cNvPr id="3" name=""/>
+          <p:cNvPr id="3" name="Group 2"/>
           <p:cNvGrpSpPr/>
           <p:nvPr/>
         </p:nvGrpSpPr>
         <p:grpSpPr>
           <a:xfrm>
-            <a:off x="914400" y="914400"/>
-            <a:ext cx="9144000" cy="6400800"/>
-            <a:chOff x="914400" y="914400"/>
-            <a:chExt cx="9144000" cy="6400800"/>
+            <a:off x="-184924" y="116632"/>
+            <a:ext cx="9328924" cy="6400800"/>
+            <a:chOff x="729476" y="914400"/>
+            <a:chExt cx="9328924" cy="6400800"/>
           </a:xfrm>
         </p:grpSpPr>
         <p:sp>
@@ -2287,7 +2276,9 @@
           <p:txBody>
             <a:bodyPr/>
             <a:lstStyle/>
-            <a:p/>
+            <a:p>
+              <a:endParaRPr/>
+            </a:p>
           </p:txBody>
         </p:sp>
         <p:sp>
@@ -2303,6 +2294,10 @@
             </a:xfrm>
             <a:custGeom>
               <a:avLst/>
+              <a:gdLst/>
+              <a:ahLst/>
+              <a:cxnLst/>
+              <a:rect l="0" t="0" r="0" b="0"/>
               <a:pathLst>
                 <a:path w="380665" h="2473613">
                   <a:moveTo>
@@ -2513,7 +2508,9 @@
           <p:txBody>
             <a:bodyPr/>
             <a:lstStyle/>
-            <a:p/>
+            <a:p>
+              <a:endParaRPr/>
+            </a:p>
           </p:txBody>
         </p:sp>
         <p:sp>
@@ -2529,6 +2526,10 @@
             </a:xfrm>
             <a:custGeom>
               <a:avLst/>
+              <a:gdLst/>
+              <a:ahLst/>
+              <a:cxnLst/>
+              <a:rect l="0" t="0" r="0" b="0"/>
               <a:pathLst>
                 <a:path w="1433264" h="2444147">
                   <a:moveTo>
@@ -2766,7 +2767,9 @@
           <p:txBody>
             <a:bodyPr/>
             <a:lstStyle/>
-            <a:p/>
+            <a:p>
+              <a:endParaRPr/>
+            </a:p>
           </p:txBody>
         </p:sp>
         <p:sp>
@@ -2782,6 +2785,10 @@
             </a:xfrm>
             <a:custGeom>
               <a:avLst/>
+              <a:gdLst/>
+              <a:ahLst/>
+              <a:cxnLst/>
+              <a:rect l="0" t="0" r="0" b="0"/>
               <a:pathLst>
                 <a:path w="2453139" h="2016065">
                   <a:moveTo>
@@ -3052,7 +3059,9 @@
           <p:txBody>
             <a:bodyPr/>
             <a:lstStyle/>
-            <a:p/>
+            <a:p>
+              <a:endParaRPr/>
+            </a:p>
           </p:txBody>
         </p:sp>
         <p:sp>
@@ -3068,6 +3077,10 @@
             </a:xfrm>
             <a:custGeom>
               <a:avLst/>
+              <a:gdLst/>
+              <a:ahLst/>
+              <a:cxnLst/>
+              <a:rect l="0" t="0" r="0" b="0"/>
               <a:pathLst>
                 <a:path w="4525856" h="2791196">
                   <a:moveTo>
@@ -3503,7 +3516,9 @@
           <p:txBody>
             <a:bodyPr/>
             <a:lstStyle/>
-            <a:p/>
+            <a:p>
+              <a:endParaRPr/>
+            </a:p>
           </p:txBody>
         </p:sp>
         <p:sp>
@@ -3519,6 +3534,10 @@
             </a:xfrm>
             <a:custGeom>
               <a:avLst/>
+              <a:gdLst/>
+              <a:ahLst/>
+              <a:cxnLst/>
+              <a:rect l="0" t="0" r="0" b="0"/>
               <a:pathLst>
                 <a:path w="2473522" h="3854493">
                   <a:moveTo>
@@ -3906,7 +3925,9 @@
           <p:txBody>
             <a:bodyPr/>
             <a:lstStyle/>
-            <a:p/>
+            <a:p>
+              <a:endParaRPr/>
+            </a:p>
           </p:txBody>
         </p:sp>
         <p:sp>
@@ -3917,7 +3938,7 @@
           </p:nvSpPr>
           <p:spPr>
             <a:xfrm>
-              <a:off x="4505293" y="2460600"/>
+              <a:off x="4944382" y="1232087"/>
               <a:ext cx="1566579" cy="157737"/>
             </a:xfrm>
             <a:prstGeom prst="rect">
@@ -3926,10 +3947,10 @@
             <a:noFill/>
           </p:spPr>
           <p:txBody>
-            <a:bodyPr lIns="0" rIns="0" tIns="0" bIns="0" anchorCtr="1" anchor="ctr" wrap="none"/>
+            <a:bodyPr wrap="none" lIns="0" tIns="0" rIns="0" bIns="0" anchor="ctr" anchorCtr="1"/>
             <a:lstStyle/>
             <a:p>
-              <a:pPr algn="l" marL="0" marR="0" indent="0">
+              <a:pPr marL="0" marR="0" indent="0" algn="l">
                 <a:lnSpc>
                   <a:spcPts val="1707"/>
                 </a:lnSpc>
@@ -3941,7 +3962,7 @@
                 </a:spcAft>
               </a:pPr>
               <a:r>
-                <a:rPr sz="1707">
+                <a:rPr sz="1200" dirty="0">
                   <a:solidFill>
                     <a:srgbClr val="000000">
                       <a:alpha val="100000"/>
@@ -3963,7 +3984,7 @@
           </p:nvSpPr>
           <p:spPr>
             <a:xfrm>
-              <a:off x="4860679" y="2766984"/>
+              <a:off x="5011259" y="1385545"/>
               <a:ext cx="855806" cy="163560"/>
             </a:xfrm>
             <a:prstGeom prst="rect">
@@ -3972,10 +3993,10 @@
             <a:noFill/>
           </p:spPr>
           <p:txBody>
-            <a:bodyPr lIns="0" rIns="0" tIns="0" bIns="0" anchorCtr="1" anchor="ctr" wrap="none"/>
+            <a:bodyPr wrap="none" lIns="0" tIns="0" rIns="0" bIns="0" anchor="ctr" anchorCtr="1"/>
             <a:lstStyle/>
             <a:p>
-              <a:pPr algn="l" marL="0" marR="0" indent="0">
+              <a:pPr marL="0" marR="0" indent="0" algn="l">
                 <a:lnSpc>
                   <a:spcPts val="1707"/>
                 </a:lnSpc>
@@ -3987,7 +4008,7 @@
                 </a:spcAft>
               </a:pPr>
               <a:r>
-                <a:rPr sz="1707">
+                <a:rPr sz="1200" dirty="0">
                   <a:solidFill>
                     <a:srgbClr val="000000">
                       <a:alpha val="100000"/>
@@ -4009,7 +4030,7 @@
           </p:nvSpPr>
           <p:spPr>
             <a:xfrm>
-              <a:off x="5246286" y="3068179"/>
+              <a:off x="6023075" y="1505683"/>
               <a:ext cx="2036510" cy="157737"/>
             </a:xfrm>
             <a:prstGeom prst="rect">
@@ -4018,10 +4039,10 @@
             <a:noFill/>
           </p:spPr>
           <p:txBody>
-            <a:bodyPr lIns="0" rIns="0" tIns="0" bIns="0" anchorCtr="1" anchor="ctr" wrap="none"/>
+            <a:bodyPr wrap="none" lIns="0" tIns="0" rIns="0" bIns="0" anchor="ctr" anchorCtr="1"/>
             <a:lstStyle/>
             <a:p>
-              <a:pPr algn="l" marL="0" marR="0" indent="0">
+              <a:pPr marL="0" marR="0" indent="0" algn="l">
                 <a:lnSpc>
                   <a:spcPts val="1707"/>
                 </a:lnSpc>
@@ -4033,7 +4054,7 @@
                 </a:spcAft>
               </a:pPr>
               <a:r>
-                <a:rPr sz="1707">
+                <a:rPr sz="1200" dirty="0">
                   <a:solidFill>
                     <a:srgbClr val="000000">
                       <a:alpha val="100000"/>
@@ -4055,7 +4076,7 @@
           </p:nvSpPr>
           <p:spPr>
             <a:xfrm>
-              <a:off x="5836638" y="3374563"/>
+              <a:off x="6203032" y="1667788"/>
               <a:ext cx="855806" cy="163560"/>
             </a:xfrm>
             <a:prstGeom prst="rect">
@@ -4064,10 +4085,10 @@
             <a:noFill/>
           </p:spPr>
           <p:txBody>
-            <a:bodyPr lIns="0" rIns="0" tIns="0" bIns="0" anchorCtr="1" anchor="ctr" wrap="none"/>
+            <a:bodyPr wrap="none" lIns="0" tIns="0" rIns="0" bIns="0" anchor="ctr" anchorCtr="1"/>
             <a:lstStyle/>
             <a:p>
-              <a:pPr algn="l" marL="0" marR="0" indent="0">
+              <a:pPr marL="0" marR="0" indent="0" algn="l">
                 <a:lnSpc>
                   <a:spcPts val="1707"/>
                 </a:lnSpc>
@@ -4079,7 +4100,7 @@
                 </a:spcAft>
               </a:pPr>
               <a:r>
-                <a:rPr sz="1707">
+                <a:rPr sz="1707" dirty="0">
                   <a:solidFill>
                     <a:srgbClr val="000000">
                       <a:alpha val="100000"/>
@@ -4088,7 +4109,31 @@
                   <a:latin typeface="Arial"/>
                   <a:cs typeface="Arial"/>
                 </a:rPr>
-                <a:t> 7.377 %</a:t>
+                <a:t> </a:t>
+              </a:r>
+              <a:r>
+                <a:rPr sz="1200" dirty="0">
+                  <a:solidFill>
+                    <a:srgbClr val="000000">
+                      <a:alpha val="100000"/>
+                    </a:srgbClr>
+                  </a:solidFill>
+                  <a:latin typeface="Arial"/>
+                  <a:cs typeface="Arial"/>
+                </a:rPr>
+                <a:t>7.377</a:t>
+              </a:r>
+              <a:r>
+                <a:rPr sz="1707" dirty="0">
+                  <a:solidFill>
+                    <a:srgbClr val="000000">
+                      <a:alpha val="100000"/>
+                    </a:srgbClr>
+                  </a:solidFill>
+                  <a:latin typeface="Arial"/>
+                  <a:cs typeface="Arial"/>
+                </a:rPr>
+                <a:t> %</a:t>
               </a:r>
             </a:p>
           </p:txBody>
@@ -4101,7 +4146,7 @@
           </p:nvSpPr>
           <p:spPr>
             <a:xfrm>
-              <a:off x="6333792" y="3602652"/>
+              <a:off x="6572708" y="3113762"/>
               <a:ext cx="1012168" cy="198283"/>
             </a:xfrm>
             <a:prstGeom prst="rect">
@@ -4110,10 +4155,10 @@
             <a:noFill/>
           </p:spPr>
           <p:txBody>
-            <a:bodyPr lIns="0" rIns="0" tIns="0" bIns="0" anchorCtr="1" anchor="ctr" wrap="none"/>
+            <a:bodyPr wrap="none" lIns="0" tIns="0" rIns="0" bIns="0" anchor="ctr" anchorCtr="1"/>
             <a:lstStyle/>
             <a:p>
-              <a:pPr algn="l" marL="0" marR="0" indent="0">
+              <a:pPr marL="0" marR="0" indent="0" algn="l">
                 <a:lnSpc>
                   <a:spcPts val="1707"/>
                 </a:lnSpc>
@@ -4125,7 +4170,7 @@
                 </a:spcAft>
               </a:pPr>
               <a:r>
-                <a:rPr sz="1707">
+                <a:rPr sz="1200" dirty="0">
                   <a:solidFill>
                     <a:srgbClr val="000000">
                       <a:alpha val="100000"/>
@@ -4134,7 +4179,19 @@
                   <a:latin typeface="Arial"/>
                   <a:cs typeface="Arial"/>
                 </a:rPr>
-                <a:t>Mixotroph </a:t>
+                <a:t>Mixotroph</a:t>
+              </a:r>
+              <a:r>
+                <a:rPr sz="1707" dirty="0">
+                  <a:solidFill>
+                    <a:srgbClr val="000000">
+                      <a:alpha val="100000"/>
+                    </a:srgbClr>
+                  </a:solidFill>
+                  <a:latin typeface="Arial"/>
+                  <a:cs typeface="Arial"/>
+                </a:rPr>
+                <a:t> </a:t>
               </a:r>
             </a:p>
           </p:txBody>
@@ -4147,7 +4204,7 @@
           </p:nvSpPr>
           <p:spPr>
             <a:xfrm>
-              <a:off x="6351683" y="3949582"/>
+              <a:off x="6497043" y="3314260"/>
               <a:ext cx="976386" cy="163560"/>
             </a:xfrm>
             <a:prstGeom prst="rect">
@@ -4156,10 +4213,10 @@
             <a:noFill/>
           </p:spPr>
           <p:txBody>
-            <a:bodyPr lIns="0" rIns="0" tIns="0" bIns="0" anchorCtr="1" anchor="ctr" wrap="none"/>
+            <a:bodyPr wrap="none" lIns="0" tIns="0" rIns="0" bIns="0" anchor="ctr" anchorCtr="1"/>
             <a:lstStyle/>
             <a:p>
-              <a:pPr algn="l" marL="0" marR="0" indent="0">
+              <a:pPr marL="0" marR="0" indent="0" algn="l">
                 <a:lnSpc>
                   <a:spcPts val="1707"/>
                 </a:lnSpc>
@@ -4171,7 +4228,7 @@
                 </a:spcAft>
               </a:pPr>
               <a:r>
-                <a:rPr sz="1707">
+                <a:rPr sz="1200" dirty="0">
                   <a:solidFill>
                     <a:srgbClr val="000000">
                       <a:alpha val="100000"/>
@@ -4193,7 +4250,7 @@
           </p:nvSpPr>
           <p:spPr>
             <a:xfrm>
-              <a:off x="5613286" y="4810705"/>
+              <a:off x="5367550" y="4810704"/>
               <a:ext cx="1205158" cy="198283"/>
             </a:xfrm>
             <a:prstGeom prst="rect">
@@ -4202,10 +4259,10 @@
             <a:noFill/>
           </p:spPr>
           <p:txBody>
-            <a:bodyPr lIns="0" rIns="0" tIns="0" bIns="0" anchorCtr="1" anchor="ctr" wrap="none"/>
+            <a:bodyPr wrap="none" lIns="0" tIns="0" rIns="0" bIns="0" anchor="ctr" anchorCtr="1"/>
             <a:lstStyle/>
             <a:p>
-              <a:pPr algn="l" marL="0" marR="0" indent="0">
+              <a:pPr marL="0" marR="0" indent="0" algn="l">
                 <a:lnSpc>
                   <a:spcPts val="1707"/>
                 </a:lnSpc>
@@ -4217,7 +4274,7 @@
                 </a:spcAft>
               </a:pPr>
               <a:r>
-                <a:rPr sz="1707">
+                <a:rPr sz="1200" dirty="0">
                   <a:solidFill>
                     <a:srgbClr val="000000">
                       <a:alpha val="100000"/>
@@ -4226,7 +4283,19 @@
                   <a:latin typeface="Arial"/>
                   <a:cs typeface="Arial"/>
                 </a:rPr>
-                <a:t>Heterotroph </a:t>
+                <a:t>Heterotroph</a:t>
+              </a:r>
+              <a:r>
+                <a:rPr sz="1707" dirty="0">
+                  <a:solidFill>
+                    <a:srgbClr val="000000">
+                      <a:alpha val="100000"/>
+                    </a:srgbClr>
+                  </a:solidFill>
+                  <a:latin typeface="Arial"/>
+                  <a:cs typeface="Arial"/>
+                </a:rPr>
+                <a:t> </a:t>
               </a:r>
             </a:p>
           </p:txBody>
@@ -4239,7 +4308,7 @@
           </p:nvSpPr>
           <p:spPr>
             <a:xfrm>
-              <a:off x="5727672" y="5157635"/>
+              <a:off x="5378872" y="5008987"/>
               <a:ext cx="976386" cy="163560"/>
             </a:xfrm>
             <a:prstGeom prst="rect">
@@ -4248,10 +4317,10 @@
             <a:noFill/>
           </p:spPr>
           <p:txBody>
-            <a:bodyPr lIns="0" rIns="0" tIns="0" bIns="0" anchorCtr="1" anchor="ctr" wrap="none"/>
+            <a:bodyPr wrap="none" lIns="0" tIns="0" rIns="0" bIns="0" anchor="ctr" anchorCtr="1"/>
             <a:lstStyle/>
             <a:p>
-              <a:pPr algn="l" marL="0" marR="0" indent="0">
+              <a:pPr marL="0" marR="0" indent="0" algn="l">
                 <a:lnSpc>
                   <a:spcPts val="1707"/>
                 </a:lnSpc>
@@ -4263,7 +4332,7 @@
                 </a:spcAft>
               </a:pPr>
               <a:r>
-                <a:rPr sz="1707">
+                <a:rPr sz="1707" dirty="0">
                   <a:solidFill>
                     <a:srgbClr val="000000">
                       <a:alpha val="100000"/>
@@ -4272,7 +4341,31 @@
                   <a:latin typeface="Arial"/>
                   <a:cs typeface="Arial"/>
                 </a:rPr>
-                <a:t> 42.623 %</a:t>
+                <a:t> </a:t>
+              </a:r>
+              <a:r>
+                <a:rPr sz="1200" dirty="0">
+                  <a:solidFill>
+                    <a:srgbClr val="000000">
+                      <a:alpha val="100000"/>
+                    </a:srgbClr>
+                  </a:solidFill>
+                  <a:latin typeface="Arial"/>
+                  <a:cs typeface="Arial"/>
+                </a:rPr>
+                <a:t>42.623</a:t>
+              </a:r>
+              <a:r>
+                <a:rPr sz="1707" dirty="0">
+                  <a:solidFill>
+                    <a:srgbClr val="000000">
+                      <a:alpha val="100000"/>
+                    </a:srgbClr>
+                  </a:solidFill>
+                  <a:latin typeface="Arial"/>
+                  <a:cs typeface="Arial"/>
+                </a:rPr>
+                <a:t> %</a:t>
               </a:r>
             </a:p>
           </p:txBody>
@@ -4285,7 +4378,7 @@
           </p:nvSpPr>
           <p:spPr>
             <a:xfrm>
-              <a:off x="3523479" y="3657942"/>
+              <a:off x="3993443" y="3496557"/>
               <a:ext cx="1156990" cy="198283"/>
             </a:xfrm>
             <a:prstGeom prst="rect">
@@ -4294,10 +4387,10 @@
             <a:noFill/>
           </p:spPr>
           <p:txBody>
-            <a:bodyPr lIns="0" rIns="0" tIns="0" bIns="0" anchorCtr="1" anchor="ctr" wrap="none"/>
+            <a:bodyPr wrap="none" lIns="0" tIns="0" rIns="0" bIns="0" anchor="ctr" anchorCtr="1"/>
             <a:lstStyle/>
             <a:p>
-              <a:pPr algn="l" marL="0" marR="0" indent="0">
+              <a:pPr marL="0" marR="0" indent="0" algn="l">
                 <a:lnSpc>
                   <a:spcPts val="1707"/>
                 </a:lnSpc>
@@ -4309,7 +4402,7 @@
                 </a:spcAft>
               </a:pPr>
               <a:r>
-                <a:rPr sz="1707">
+                <a:rPr sz="1200" dirty="0">
                   <a:solidFill>
                     <a:srgbClr val="000000">
                       <a:alpha val="100000"/>
@@ -4318,7 +4411,19 @@
                   <a:latin typeface="Arial"/>
                   <a:cs typeface="Arial"/>
                 </a:rPr>
-                <a:t>Autotrophic </a:t>
+                <a:t>Autotrophic</a:t>
+              </a:r>
+              <a:r>
+                <a:rPr sz="1707" dirty="0">
+                  <a:solidFill>
+                    <a:srgbClr val="000000">
+                      <a:alpha val="100000"/>
+                    </a:srgbClr>
+                  </a:solidFill>
+                  <a:latin typeface="Arial"/>
+                  <a:cs typeface="Arial"/>
+                </a:rPr>
+                <a:t> </a:t>
               </a:r>
             </a:p>
           </p:txBody>
@@ -4331,7 +4436,7 @@
           </p:nvSpPr>
           <p:spPr>
             <a:xfrm>
-              <a:off x="3613781" y="4004872"/>
+              <a:off x="4005414" y="3694840"/>
               <a:ext cx="976386" cy="163560"/>
             </a:xfrm>
             <a:prstGeom prst="rect">
@@ -4340,10 +4445,10 @@
             <a:noFill/>
           </p:spPr>
           <p:txBody>
-            <a:bodyPr lIns="0" rIns="0" tIns="0" bIns="0" anchorCtr="1" anchor="ctr" wrap="none"/>
+            <a:bodyPr wrap="none" lIns="0" tIns="0" rIns="0" bIns="0" anchor="ctr" anchorCtr="1"/>
             <a:lstStyle/>
             <a:p>
-              <a:pPr algn="l" marL="0" marR="0" indent="0">
+              <a:pPr marL="0" marR="0" indent="0" algn="l">
                 <a:lnSpc>
                   <a:spcPts val="1707"/>
                 </a:lnSpc>
@@ -4355,7 +4460,7 @@
                 </a:spcAft>
               </a:pPr>
               <a:r>
-                <a:rPr sz="1707">
+                <a:rPr sz="1707" dirty="0">
                   <a:solidFill>
                     <a:srgbClr val="000000">
                       <a:alpha val="100000"/>
@@ -4364,7 +4469,31 @@
                   <a:latin typeface="Arial"/>
                   <a:cs typeface="Arial"/>
                 </a:rPr>
-                <a:t> 34.426 %</a:t>
+                <a:t> </a:t>
+              </a:r>
+              <a:r>
+                <a:rPr sz="1200" dirty="0">
+                  <a:solidFill>
+                    <a:srgbClr val="000000">
+                      <a:alpha val="100000"/>
+                    </a:srgbClr>
+                  </a:solidFill>
+                  <a:latin typeface="Arial"/>
+                  <a:cs typeface="Arial"/>
+                </a:rPr>
+                <a:t>34.426</a:t>
+              </a:r>
+              <a:r>
+                <a:rPr sz="1707" dirty="0">
+                  <a:solidFill>
+                    <a:srgbClr val="000000">
+                      <a:alpha val="100000"/>
+                    </a:srgbClr>
+                  </a:solidFill>
+                  <a:latin typeface="Arial"/>
+                  <a:cs typeface="Arial"/>
+                </a:rPr>
+                <a:t> %</a:t>
               </a:r>
             </a:p>
           </p:txBody>
@@ -4377,7 +4506,7 @@
           </p:nvSpPr>
           <p:spPr>
             <a:xfrm>
-              <a:off x="2394382" y="942406"/>
+              <a:off x="729476" y="942637"/>
               <a:ext cx="4860823" cy="152578"/>
             </a:xfrm>
             <a:prstGeom prst="rect">
@@ -4386,10 +4515,10 @@
             <a:noFill/>
           </p:spPr>
           <p:txBody>
-            <a:bodyPr lIns="0" rIns="0" tIns="0" bIns="0" anchorCtr="1" anchor="ctr" wrap="none"/>
+            <a:bodyPr wrap="none" lIns="0" tIns="0" rIns="0" bIns="0" anchor="ctr" anchorCtr="1"/>
             <a:lstStyle/>
             <a:p>
-              <a:pPr algn="l" marL="0" marR="0" indent="0">
+              <a:pPr marL="0" marR="0" indent="0" algn="l">
                 <a:lnSpc>
                   <a:spcPts val="1320"/>
                 </a:lnSpc>
@@ -4401,7 +4530,7 @@
                 </a:spcAft>
               </a:pPr>
               <a:r>
-                <a:rPr sz="1320">
+                <a:rPr sz="1200" dirty="0">
                   <a:solidFill>
                     <a:srgbClr val="000000">
                       <a:alpha val="100000"/>
@@ -4416,6 +4545,94 @@
           </p:txBody>
         </p:sp>
       </p:grpSp>
+      <p:cxnSp>
+        <p:nvCxnSpPr>
+          <p:cNvPr id="22" name="Straight Arrow Connector 21">
+            <a:extLst>
+              <a:ext uri="{FF2B5EF4-FFF2-40B4-BE49-F238E27FC236}">
+                <a16:creationId xmlns:a16="http://schemas.microsoft.com/office/drawing/2014/main" id="{B159049B-81DB-7E06-A1FC-8E92B91EB3C4}"/>
+              </a:ext>
+            </a:extLst>
+          </p:cNvPr>
+          <p:cNvCxnSpPr>
+            <a:stCxn id="11" idx="2"/>
+          </p:cNvCxnSpPr>
+          <p:nvPr/>
+        </p:nvCxnSpPr>
+        <p:spPr>
+          <a:xfrm>
+            <a:off x="4524762" y="751337"/>
+            <a:ext cx="237570" cy="733447"/>
+          </a:xfrm>
+          <a:prstGeom prst="straightConnector1">
+            <a:avLst/>
+          </a:prstGeom>
+          <a:ln>
+            <a:solidFill>
+              <a:schemeClr val="tx1"/>
+            </a:solidFill>
+            <a:tailEnd type="triangle"/>
+          </a:ln>
+        </p:spPr>
+        <p:style>
+          <a:lnRef idx="1">
+            <a:schemeClr val="accent1"/>
+          </a:lnRef>
+          <a:fillRef idx="0">
+            <a:schemeClr val="accent1"/>
+          </a:fillRef>
+          <a:effectRef idx="0">
+            <a:schemeClr val="accent1"/>
+          </a:effectRef>
+          <a:fontRef idx="minor">
+            <a:schemeClr val="tx1"/>
+          </a:fontRef>
+        </p:style>
+      </p:cxnSp>
+      <p:cxnSp>
+        <p:nvCxnSpPr>
+          <p:cNvPr id="24" name="Straight Arrow Connector 23">
+            <a:extLst>
+              <a:ext uri="{FF2B5EF4-FFF2-40B4-BE49-F238E27FC236}">
+                <a16:creationId xmlns:a16="http://schemas.microsoft.com/office/drawing/2014/main" id="{A1255648-18F1-D9E3-33C1-1F93653B014F}"/>
+              </a:ext>
+            </a:extLst>
+          </p:cNvPr>
+          <p:cNvCxnSpPr>
+            <a:stCxn id="13" idx="2"/>
+          </p:cNvCxnSpPr>
+          <p:nvPr/>
+        </p:nvCxnSpPr>
+        <p:spPr>
+          <a:xfrm flipH="1">
+            <a:off x="5288632" y="1033580"/>
+            <a:ext cx="427903" cy="739236"/>
+          </a:xfrm>
+          <a:prstGeom prst="straightConnector1">
+            <a:avLst/>
+          </a:prstGeom>
+          <a:ln>
+            <a:solidFill>
+              <a:schemeClr val="tx1"/>
+            </a:solidFill>
+            <a:tailEnd type="triangle"/>
+          </a:ln>
+        </p:spPr>
+        <p:style>
+          <a:lnRef idx="1">
+            <a:schemeClr val="accent1"/>
+          </a:lnRef>
+          <a:fillRef idx="0">
+            <a:schemeClr val="accent1"/>
+          </a:fillRef>
+          <a:effectRef idx="0">
+            <a:schemeClr val="accent1"/>
+          </a:effectRef>
+          <a:fontRef idx="minor">
+            <a:schemeClr val="tx1"/>
+          </a:fontRef>
+        </p:style>
+      </p:cxnSp>
     </p:spTree>
   </p:cSld>
   <p:clrMapOvr>
